--- a/Projeto 1/Entrega01.pptx
+++ b/Projeto 1/Entrega01.pptx
@@ -3808,7 +3808,7 @@
           <a:p>
             <a:fld id="{DDD670B3-E2EA-4637-9A35-A3F69C814A4D}" type="datetimeFigureOut">
               <a:rPr lang="pt-BR" smtClean="0"/>
-              <a:t>22/08/2017</a:t>
+              <a:t>25/08/2017</a:t>
             </a:fld>
             <a:endParaRPr lang="pt-BR"/>
           </a:p>
@@ -4022,7 +4022,7 @@
           <a:p>
             <a:fld id="{DDD670B3-E2EA-4637-9A35-A3F69C814A4D}" type="datetimeFigureOut">
               <a:rPr lang="pt-BR" smtClean="0"/>
-              <a:t>22/08/2017</a:t>
+              <a:t>25/08/2017</a:t>
             </a:fld>
             <a:endParaRPr lang="pt-BR"/>
           </a:p>
@@ -4246,7 +4246,7 @@
           <a:p>
             <a:fld id="{DDD670B3-E2EA-4637-9A35-A3F69C814A4D}" type="datetimeFigureOut">
               <a:rPr lang="pt-BR" smtClean="0"/>
-              <a:t>22/08/2017</a:t>
+              <a:t>25/08/2017</a:t>
             </a:fld>
             <a:endParaRPr lang="pt-BR"/>
           </a:p>
@@ -4460,7 +4460,7 @@
           <a:p>
             <a:fld id="{DDD670B3-E2EA-4637-9A35-A3F69C814A4D}" type="datetimeFigureOut">
               <a:rPr lang="pt-BR" smtClean="0"/>
-              <a:t>22/08/2017</a:t>
+              <a:t>25/08/2017</a:t>
             </a:fld>
             <a:endParaRPr lang="pt-BR"/>
           </a:p>
@@ -4750,7 +4750,7 @@
           <a:p>
             <a:fld id="{DDD670B3-E2EA-4637-9A35-A3F69C814A4D}" type="datetimeFigureOut">
               <a:rPr lang="pt-BR" smtClean="0"/>
-              <a:t>22/08/2017</a:t>
+              <a:t>25/08/2017</a:t>
             </a:fld>
             <a:endParaRPr lang="pt-BR"/>
           </a:p>
@@ -5026,7 +5026,7 @@
           <a:p>
             <a:fld id="{DDD670B3-E2EA-4637-9A35-A3F69C814A4D}" type="datetimeFigureOut">
               <a:rPr lang="pt-BR" smtClean="0"/>
-              <a:t>22/08/2017</a:t>
+              <a:t>25/08/2017</a:t>
             </a:fld>
             <a:endParaRPr lang="pt-BR"/>
           </a:p>
@@ -5437,7 +5437,7 @@
           <a:p>
             <a:fld id="{DDD670B3-E2EA-4637-9A35-A3F69C814A4D}" type="datetimeFigureOut">
               <a:rPr lang="pt-BR" smtClean="0"/>
-              <a:t>22/08/2017</a:t>
+              <a:t>25/08/2017</a:t>
             </a:fld>
             <a:endParaRPr lang="pt-BR"/>
           </a:p>
@@ -5599,7 +5599,7 @@
           <a:p>
             <a:fld id="{DDD670B3-E2EA-4637-9A35-A3F69C814A4D}" type="datetimeFigureOut">
               <a:rPr lang="pt-BR" smtClean="0"/>
-              <a:t>22/08/2017</a:t>
+              <a:t>25/08/2017</a:t>
             </a:fld>
             <a:endParaRPr lang="pt-BR"/>
           </a:p>
@@ -5738,7 +5738,7 @@
           <a:p>
             <a:fld id="{DDD670B3-E2EA-4637-9A35-A3F69C814A4D}" type="datetimeFigureOut">
               <a:rPr lang="pt-BR" smtClean="0"/>
-              <a:t>22/08/2017</a:t>
+              <a:t>25/08/2017</a:t>
             </a:fld>
             <a:endParaRPr lang="pt-BR"/>
           </a:p>
@@ -6059,7 +6059,7 @@
           <a:p>
             <a:fld id="{DDD670B3-E2EA-4637-9A35-A3F69C814A4D}" type="datetimeFigureOut">
               <a:rPr lang="pt-BR" smtClean="0"/>
-              <a:t>22/08/2017</a:t>
+              <a:t>25/08/2017</a:t>
             </a:fld>
             <a:endParaRPr lang="pt-BR"/>
           </a:p>
@@ -6360,7 +6360,7 @@
           <a:p>
             <a:fld id="{DDD670B3-E2EA-4637-9A35-A3F69C814A4D}" type="datetimeFigureOut">
               <a:rPr lang="pt-BR" smtClean="0"/>
-              <a:t>22/08/2017</a:t>
+              <a:t>25/08/2017</a:t>
             </a:fld>
             <a:endParaRPr lang="pt-BR"/>
           </a:p>
@@ -6617,7 +6617,7 @@
           <a:p>
             <a:fld id="{DDD670B3-E2EA-4637-9A35-A3F69C814A4D}" type="datetimeFigureOut">
               <a:rPr lang="pt-BR" smtClean="0"/>
-              <a:t>22/08/2017</a:t>
+              <a:t>25/08/2017</a:t>
             </a:fld>
             <a:endParaRPr lang="pt-BR"/>
           </a:p>
@@ -7478,7 +7478,7 @@
           <a:p>
             <a:r>
               <a:rPr lang="pt-BR" dirty="0"/>
-              <a:t> https://github.com/vitorsv1/P1-CoDes.git</a:t>
+              <a:t> https://github.com/betofr1/co-design.git</a:t>
             </a:r>
           </a:p>
         </p:txBody>

--- a/Projeto 1/Entrega01.pptx
+++ b/Projeto 1/Entrega01.pptx
@@ -3808,7 +3808,7 @@
           <a:p>
             <a:fld id="{DDD670B3-E2EA-4637-9A35-A3F69C814A4D}" type="datetimeFigureOut">
               <a:rPr lang="pt-BR" smtClean="0"/>
-              <a:t>25/08/2017</a:t>
+              <a:t>13/09/2017</a:t>
             </a:fld>
             <a:endParaRPr lang="pt-BR"/>
           </a:p>
@@ -4022,7 +4022,7 @@
           <a:p>
             <a:fld id="{DDD670B3-E2EA-4637-9A35-A3F69C814A4D}" type="datetimeFigureOut">
               <a:rPr lang="pt-BR" smtClean="0"/>
-              <a:t>25/08/2017</a:t>
+              <a:t>13/09/2017</a:t>
             </a:fld>
             <a:endParaRPr lang="pt-BR"/>
           </a:p>
@@ -4246,7 +4246,7 @@
           <a:p>
             <a:fld id="{DDD670B3-E2EA-4637-9A35-A3F69C814A4D}" type="datetimeFigureOut">
               <a:rPr lang="pt-BR" smtClean="0"/>
-              <a:t>25/08/2017</a:t>
+              <a:t>13/09/2017</a:t>
             </a:fld>
             <a:endParaRPr lang="pt-BR"/>
           </a:p>
@@ -4460,7 +4460,7 @@
           <a:p>
             <a:fld id="{DDD670B3-E2EA-4637-9A35-A3F69C814A4D}" type="datetimeFigureOut">
               <a:rPr lang="pt-BR" smtClean="0"/>
-              <a:t>25/08/2017</a:t>
+              <a:t>13/09/2017</a:t>
             </a:fld>
             <a:endParaRPr lang="pt-BR"/>
           </a:p>
@@ -4750,7 +4750,7 @@
           <a:p>
             <a:fld id="{DDD670B3-E2EA-4637-9A35-A3F69C814A4D}" type="datetimeFigureOut">
               <a:rPr lang="pt-BR" smtClean="0"/>
-              <a:t>25/08/2017</a:t>
+              <a:t>13/09/2017</a:t>
             </a:fld>
             <a:endParaRPr lang="pt-BR"/>
           </a:p>
@@ -5026,7 +5026,7 @@
           <a:p>
             <a:fld id="{DDD670B3-E2EA-4637-9A35-A3F69C814A4D}" type="datetimeFigureOut">
               <a:rPr lang="pt-BR" smtClean="0"/>
-              <a:t>25/08/2017</a:t>
+              <a:t>13/09/2017</a:t>
             </a:fld>
             <a:endParaRPr lang="pt-BR"/>
           </a:p>
@@ -5437,7 +5437,7 @@
           <a:p>
             <a:fld id="{DDD670B3-E2EA-4637-9A35-A3F69C814A4D}" type="datetimeFigureOut">
               <a:rPr lang="pt-BR" smtClean="0"/>
-              <a:t>25/08/2017</a:t>
+              <a:t>13/09/2017</a:t>
             </a:fld>
             <a:endParaRPr lang="pt-BR"/>
           </a:p>
@@ -5599,7 +5599,7 @@
           <a:p>
             <a:fld id="{DDD670B3-E2EA-4637-9A35-A3F69C814A4D}" type="datetimeFigureOut">
               <a:rPr lang="pt-BR" smtClean="0"/>
-              <a:t>25/08/2017</a:t>
+              <a:t>13/09/2017</a:t>
             </a:fld>
             <a:endParaRPr lang="pt-BR"/>
           </a:p>
@@ -5738,7 +5738,7 @@
           <a:p>
             <a:fld id="{DDD670B3-E2EA-4637-9A35-A3F69C814A4D}" type="datetimeFigureOut">
               <a:rPr lang="pt-BR" smtClean="0"/>
-              <a:t>25/08/2017</a:t>
+              <a:t>13/09/2017</a:t>
             </a:fld>
             <a:endParaRPr lang="pt-BR"/>
           </a:p>
@@ -6059,7 +6059,7 @@
           <a:p>
             <a:fld id="{DDD670B3-E2EA-4637-9A35-A3F69C814A4D}" type="datetimeFigureOut">
               <a:rPr lang="pt-BR" smtClean="0"/>
-              <a:t>25/08/2017</a:t>
+              <a:t>13/09/2017</a:t>
             </a:fld>
             <a:endParaRPr lang="pt-BR"/>
           </a:p>
@@ -6360,7 +6360,7 @@
           <a:p>
             <a:fld id="{DDD670B3-E2EA-4637-9A35-A3F69C814A4D}" type="datetimeFigureOut">
               <a:rPr lang="pt-BR" smtClean="0"/>
-              <a:t>25/08/2017</a:t>
+              <a:t>13/09/2017</a:t>
             </a:fld>
             <a:endParaRPr lang="pt-BR"/>
           </a:p>
@@ -6617,7 +6617,7 @@
           <a:p>
             <a:fld id="{DDD670B3-E2EA-4637-9A35-A3F69C814A4D}" type="datetimeFigureOut">
               <a:rPr lang="pt-BR" smtClean="0"/>
-              <a:t>25/08/2017</a:t>
+              <a:t>13/09/2017</a:t>
             </a:fld>
             <a:endParaRPr lang="pt-BR"/>
           </a:p>
@@ -7125,12 +7125,55 @@
           </a:p>
         </p:txBody>
       </p:sp>
+      <p:sp>
+        <p:nvSpPr>
+          <p:cNvPr id="10" name="CaixaDeTexto 9">
+            <a:extLst>
+              <a:ext uri="{FF2B5EF4-FFF2-40B4-BE49-F238E27FC236}">
+                <a16:creationId xmlns:a16="http://schemas.microsoft.com/office/drawing/2014/main" id="{8DAD33DC-FA9E-4CE8-BA84-DC056D90AE0B}"/>
+              </a:ext>
+            </a:extLst>
+          </p:cNvPr>
+          <p:cNvSpPr txBox="1"/>
+          <p:nvPr/>
+        </p:nvSpPr>
+        <p:spPr>
+          <a:xfrm>
+            <a:off x="513081" y="1220788"/>
+            <a:ext cx="2961639" cy="1477328"/>
+          </a:xfrm>
+          <a:prstGeom prst="rect">
+            <a:avLst/>
+          </a:prstGeom>
+          <a:noFill/>
+        </p:spPr>
+        <p:txBody>
+          <a:bodyPr wrap="square" rtlCol="0">
+            <a:spAutoFit/>
+          </a:bodyPr>
+          <a:lstStyle/>
+          <a:p>
+            <a:r>
+              <a:rPr lang="pt-BR" dirty="0"/>
+              <a:t>Página inicial do </a:t>
+            </a:r>
+            <a:r>
+              <a:rPr lang="pt-BR" dirty="0" err="1"/>
+              <a:t>portifólio</a:t>
+            </a:r>
+            <a:r>
+              <a:rPr lang="pt-BR" dirty="0"/>
+              <a:t> contem ícone de acesso para a  área de pessoas e barra iterativa para acessar os projetos </a:t>
+            </a:r>
+          </a:p>
+        </p:txBody>
+      </p:sp>
       <p:pic>
         <p:nvPicPr>
-          <p:cNvPr id="9" name="Imagem 8">
+          <p:cNvPr id="5" name="Imagem 4">
             <a:extLst>
               <a:ext uri="{FF2B5EF4-FFF2-40B4-BE49-F238E27FC236}">
-                <a16:creationId xmlns:a16="http://schemas.microsoft.com/office/drawing/2014/main" id="{CD8FDC86-B28F-4270-A01D-D4A33EA26893}"/>
+                <a16:creationId xmlns:a16="http://schemas.microsoft.com/office/drawing/2014/main" id="{3FCBC089-9126-4200-A287-FE70510C33C3}"/>
               </a:ext>
             </a:extLst>
           </p:cNvPr>
@@ -7140,100 +7183,21 @@
           <p:nvPr/>
         </p:nvPicPr>
         <p:blipFill>
-          <a:blip r:embed="rId2">
-            <a:extLst>
-              <a:ext uri="{28A0092B-C50C-407E-A947-70E740481C1C}">
-                <a14:useLocalDpi xmlns:a14="http://schemas.microsoft.com/office/drawing/2010/main" val="0"/>
-              </a:ext>
-            </a:extLst>
-          </a:blip>
+          <a:blip r:embed="rId2"/>
           <a:stretch>
             <a:fillRect/>
           </a:stretch>
         </p:blipFill>
         <p:spPr>
           <a:xfrm>
-            <a:off x="914400" y="1026160"/>
-            <a:ext cx="10026604" cy="5637212"/>
+            <a:off x="5184557" y="274320"/>
+            <a:ext cx="3974684" cy="6216634"/>
           </a:xfrm>
           <a:prstGeom prst="rect">
             <a:avLst/>
           </a:prstGeom>
-          <a:solidFill>
-            <a:srgbClr val="FFFFFF">
-              <a:shade val="85000"/>
-            </a:srgbClr>
-          </a:solidFill>
-          <a:ln w="88900" cap="sq">
-            <a:solidFill>
-              <a:srgbClr val="FFFFFF"/>
-            </a:solidFill>
-            <a:miter lim="800000"/>
-          </a:ln>
-          <a:effectLst>
-            <a:outerShdw blurRad="55000" dist="18000" dir="5400000" algn="tl" rotWithShape="0">
-              <a:srgbClr val="000000">
-                <a:alpha val="40000"/>
-              </a:srgbClr>
-            </a:outerShdw>
-          </a:effectLst>
-          <a:scene3d>
-            <a:camera prst="orthographicFront"/>
-            <a:lightRig rig="twoPt" dir="t">
-              <a:rot lat="0" lon="0" rev="7200000"/>
-            </a:lightRig>
-          </a:scene3d>
-          <a:sp3d>
-            <a:bevelT w="25400" h="19050"/>
-            <a:contourClr>
-              <a:srgbClr val="FFFFFF"/>
-            </a:contourClr>
-          </a:sp3d>
         </p:spPr>
       </p:pic>
-      <p:sp>
-        <p:nvSpPr>
-          <p:cNvPr id="10" name="CaixaDeTexto 9">
-            <a:extLst>
-              <a:ext uri="{FF2B5EF4-FFF2-40B4-BE49-F238E27FC236}">
-                <a16:creationId xmlns:a16="http://schemas.microsoft.com/office/drawing/2014/main" id="{8DAD33DC-FA9E-4CE8-BA84-DC056D90AE0B}"/>
-              </a:ext>
-            </a:extLst>
-          </p:cNvPr>
-          <p:cNvSpPr txBox="1"/>
-          <p:nvPr/>
-        </p:nvSpPr>
-        <p:spPr>
-          <a:xfrm>
-            <a:off x="2265681" y="373340"/>
-            <a:ext cx="9296400" cy="652820"/>
-          </a:xfrm>
-          <a:prstGeom prst="rect">
-            <a:avLst/>
-          </a:prstGeom>
-          <a:noFill/>
-        </p:spPr>
-        <p:txBody>
-          <a:bodyPr wrap="square" rtlCol="0">
-            <a:spAutoFit/>
-          </a:bodyPr>
-          <a:lstStyle/>
-          <a:p>
-            <a:r>
-              <a:rPr lang="pt-BR" dirty="0"/>
-              <a:t>Página inicial do </a:t>
-            </a:r>
-            <a:r>
-              <a:rPr lang="pt-BR" dirty="0" err="1"/>
-              <a:t>portifólio</a:t>
-            </a:r>
-            <a:r>
-              <a:rPr lang="pt-BR" dirty="0"/>
-              <a:t> contem ícone de acesso para a  área de pessoas e barra iterativa para acessar os projetos </a:t>
-            </a:r>
-          </a:p>
-        </p:txBody>
-      </p:sp>
     </p:spTree>
     <p:extLst>
       <p:ext uri="{BB962C8B-B14F-4D97-AF65-F5344CB8AC3E}">
@@ -8126,99 +8090,13 @@
       </p:grpSpPr>
       <p:sp>
         <p:nvSpPr>
-          <p:cNvPr id="5" name="Retângulo: Cantos Arredondados 4"/>
-          <p:cNvSpPr/>
-          <p:nvPr/>
-        </p:nvSpPr>
-        <p:spPr>
-          <a:xfrm>
-            <a:off x="266700" y="243057"/>
-            <a:ext cx="2904896" cy="885825"/>
-          </a:xfrm>
-          <a:prstGeom prst="roundRect">
-            <a:avLst/>
-          </a:prstGeom>
-        </p:spPr>
-        <p:style>
-          <a:lnRef idx="2">
-            <a:schemeClr val="accent1">
-              <a:shade val="50000"/>
-            </a:schemeClr>
-          </a:lnRef>
-          <a:fillRef idx="1">
-            <a:schemeClr val="accent1"/>
-          </a:fillRef>
-          <a:effectRef idx="0">
-            <a:schemeClr val="accent1"/>
-          </a:effectRef>
-          <a:fontRef idx="minor">
-            <a:schemeClr val="lt1"/>
-          </a:fontRef>
-        </p:style>
-        <p:txBody>
-          <a:bodyPr rtlCol="0" anchor="ctr"/>
-          <a:lstStyle/>
-          <a:p>
-            <a:pPr algn="ctr"/>
-            <a:r>
-              <a:rPr lang="pt-BR" sz="3600" dirty="0"/>
-              <a:t>HOME</a:t>
-            </a:r>
-          </a:p>
-        </p:txBody>
-      </p:sp>
-      <p:sp>
-        <p:nvSpPr>
-          <p:cNvPr id="7" name="Retângulo: Cantos Arredondados 6"/>
-          <p:cNvSpPr/>
-          <p:nvPr/>
-        </p:nvSpPr>
-        <p:spPr>
-          <a:xfrm>
-            <a:off x="2269819" y="4318211"/>
-            <a:ext cx="2281156" cy="462600"/>
-          </a:xfrm>
-          <a:prstGeom prst="roundRect">
-            <a:avLst/>
-          </a:prstGeom>
-        </p:spPr>
-        <p:style>
-          <a:lnRef idx="2">
-            <a:schemeClr val="accent1">
-              <a:shade val="50000"/>
-            </a:schemeClr>
-          </a:lnRef>
-          <a:fillRef idx="1">
-            <a:schemeClr val="accent1"/>
-          </a:fillRef>
-          <a:effectRef idx="0">
-            <a:schemeClr val="accent1"/>
-          </a:effectRef>
-          <a:fontRef idx="minor">
-            <a:schemeClr val="lt1"/>
-          </a:fontRef>
-        </p:style>
-        <p:txBody>
-          <a:bodyPr rtlCol="0" anchor="ctr"/>
-          <a:lstStyle/>
-          <a:p>
-            <a:pPr algn="ctr"/>
-            <a:r>
-              <a:rPr lang="pt-BR" sz="3600" dirty="0"/>
-              <a:t>CURSOS</a:t>
-            </a:r>
-          </a:p>
-        </p:txBody>
-      </p:sp>
-      <p:sp>
-        <p:nvSpPr>
           <p:cNvPr id="9" name="Retângulo: Cantos Arredondados 8"/>
           <p:cNvSpPr/>
           <p:nvPr/>
         </p:nvSpPr>
         <p:spPr>
           <a:xfrm>
-            <a:off x="2269819" y="1841583"/>
+            <a:off x="4174819" y="350002"/>
             <a:ext cx="1734400" cy="460865"/>
           </a:xfrm>
           <a:prstGeom prst="roundRect">
@@ -8261,7 +8139,7 @@
         </p:nvSpPr>
         <p:spPr>
           <a:xfrm>
-            <a:off x="2269819" y="2411992"/>
+            <a:off x="6079819" y="350002"/>
             <a:ext cx="1734400" cy="460865"/>
           </a:xfrm>
           <a:prstGeom prst="roundRect">
@@ -8304,7 +8182,7 @@
         </p:nvSpPr>
         <p:spPr>
           <a:xfrm>
-            <a:off x="2269819" y="1257723"/>
+            <a:off x="2269819" y="350002"/>
             <a:ext cx="1734400" cy="460865"/>
           </a:xfrm>
           <a:prstGeom prst="roundRect">
@@ -8347,7 +8225,7 @@
         </p:nvSpPr>
         <p:spPr>
           <a:xfrm>
-            <a:off x="2269819" y="3024030"/>
+            <a:off x="7984819" y="350002"/>
             <a:ext cx="1734400" cy="460865"/>
           </a:xfrm>
           <a:prstGeom prst="roundRect">
@@ -8390,7 +8268,7 @@
         </p:nvSpPr>
         <p:spPr>
           <a:xfrm>
-            <a:off x="2269819" y="3668451"/>
+            <a:off x="9946474" y="342641"/>
             <a:ext cx="1734400" cy="460865"/>
           </a:xfrm>
           <a:prstGeom prst="roundRect">
@@ -8433,7 +8311,7 @@
         </p:nvSpPr>
         <p:spPr>
           <a:xfrm>
-            <a:off x="2816575" y="4969706"/>
+            <a:off x="1858339" y="2936632"/>
             <a:ext cx="1734400" cy="460865"/>
           </a:xfrm>
           <a:prstGeom prst="roundRect">
@@ -8463,7 +8341,7 @@
             <a:pPr algn="ctr"/>
             <a:r>
               <a:rPr lang="pt-BR" dirty="0"/>
-              <a:t>ENG. MECÂN</a:t>
+              <a:t>Roberto Franco</a:t>
             </a:r>
           </a:p>
         </p:txBody>
@@ -8482,7 +8360,61 @@
         </p:nvSpPr>
         <p:spPr>
           <a:xfrm>
-            <a:off x="2816575" y="5527950"/>
+            <a:off x="4523387" y="2936632"/>
+            <a:ext cx="1797379" cy="490024"/>
+          </a:xfrm>
+          <a:prstGeom prst="roundRect">
+            <a:avLst/>
+          </a:prstGeom>
+        </p:spPr>
+        <p:style>
+          <a:lnRef idx="2">
+            <a:schemeClr val="accent1">
+              <a:shade val="50000"/>
+            </a:schemeClr>
+          </a:lnRef>
+          <a:fillRef idx="1">
+            <a:schemeClr val="accent1"/>
+          </a:fillRef>
+          <a:effectRef idx="0">
+            <a:schemeClr val="accent1"/>
+          </a:effectRef>
+          <a:fontRef idx="minor">
+            <a:schemeClr val="lt1"/>
+          </a:fontRef>
+        </p:style>
+        <p:txBody>
+          <a:bodyPr rtlCol="0" anchor="ctr"/>
+          <a:lstStyle/>
+          <a:p>
+            <a:pPr algn="ctr"/>
+            <a:r>
+              <a:rPr lang="pt-BR" dirty="0"/>
+              <a:t>Vitor </a:t>
+            </a:r>
+            <a:r>
+              <a:rPr lang="pt-BR" dirty="0" err="1"/>
+              <a:t>Vitturi</a:t>
+            </a:r>
+            <a:endParaRPr lang="pt-BR" dirty="0"/>
+          </a:p>
+        </p:txBody>
+      </p:sp>
+      <p:sp>
+        <p:nvSpPr>
+          <p:cNvPr id="24" name="Retângulo: Cantos Arredondados 23">
+            <a:extLst>
+              <a:ext uri="{FF2B5EF4-FFF2-40B4-BE49-F238E27FC236}">
+                <a16:creationId xmlns:a16="http://schemas.microsoft.com/office/drawing/2014/main" id="{33ED0C05-2FD9-4924-B1AB-4E1FC1C18272}"/>
+              </a:ext>
+            </a:extLst>
+          </p:cNvPr>
+          <p:cNvSpPr/>
+          <p:nvPr/>
+        </p:nvSpPr>
+        <p:spPr>
+          <a:xfrm>
+            <a:off x="7251415" y="2936632"/>
             <a:ext cx="1734400" cy="460865"/>
           </a:xfrm>
           <a:prstGeom prst="roundRect">
@@ -8512,17 +8444,17 @@
             <a:pPr algn="ctr"/>
             <a:r>
               <a:rPr lang="pt-BR" dirty="0"/>
-              <a:t>ENG. MECAT.</a:t>
-            </a:r>
-          </a:p>
-        </p:txBody>
-      </p:sp>
-      <p:sp>
-        <p:nvSpPr>
-          <p:cNvPr id="24" name="Retângulo: Cantos Arredondados 23">
+              <a:t>Gabriel Salvador</a:t>
+            </a:r>
+          </a:p>
+        </p:txBody>
+      </p:sp>
+      <p:sp>
+        <p:nvSpPr>
+          <p:cNvPr id="15" name="Retângulo: Cantos Arredondados 14">
             <a:extLst>
               <a:ext uri="{FF2B5EF4-FFF2-40B4-BE49-F238E27FC236}">
-                <a16:creationId xmlns:a16="http://schemas.microsoft.com/office/drawing/2014/main" id="{33ED0C05-2FD9-4924-B1AB-4E1FC1C18272}"/>
+                <a16:creationId xmlns:a16="http://schemas.microsoft.com/office/drawing/2014/main" id="{89B2A561-68FD-40F3-815B-122D75077AEC}"/>
               </a:ext>
             </a:extLst>
           </p:cNvPr>
@@ -8531,7 +8463,7 @@
         </p:nvSpPr>
         <p:spPr>
           <a:xfrm>
-            <a:off x="2816575" y="6086194"/>
+            <a:off x="364819" y="342641"/>
             <a:ext cx="1734400" cy="460865"/>
           </a:xfrm>
           <a:prstGeom prst="roundRect">
@@ -8561,7 +8493,7 @@
             <a:pPr algn="ctr"/>
             <a:r>
               <a:rPr lang="pt-BR" dirty="0"/>
-              <a:t>ENG. DA COMP.</a:t>
+              <a:t>Home</a:t>
             </a:r>
           </a:p>
         </p:txBody>
@@ -9265,70 +9197,31 @@
       </p:sp>
       <p:pic>
         <p:nvPicPr>
-          <p:cNvPr id="6" name="Espaço Reservado para Conteúdo 5">
+          <p:cNvPr id="7" name="Imagem 6">
             <a:extLst>
               <a:ext uri="{FF2B5EF4-FFF2-40B4-BE49-F238E27FC236}">
-                <a16:creationId xmlns:a16="http://schemas.microsoft.com/office/drawing/2014/main" id="{84E78655-8A19-4D62-8119-7B1A58FC2A73}"/>
+                <a16:creationId xmlns:a16="http://schemas.microsoft.com/office/drawing/2014/main" id="{926056A5-8178-42BF-8EE9-1EA7541F5080}"/>
               </a:ext>
             </a:extLst>
           </p:cNvPr>
           <p:cNvPicPr>
-            <a:picLocks noGrp="1" noChangeAspect="1"/>
+            <a:picLocks noChangeAspect="1"/>
           </p:cNvPicPr>
-          <p:nvPr>
-            <p:ph idx="1"/>
-          </p:nvPr>
+          <p:nvPr/>
         </p:nvPicPr>
-        <p:blipFill>
-          <a:blip r:embed="rId2">
-            <a:extLst>
-              <a:ext uri="{28A0092B-C50C-407E-A947-70E740481C1C}">
-                <a14:useLocalDpi xmlns:a14="http://schemas.microsoft.com/office/drawing/2010/main" val="0"/>
-              </a:ext>
-            </a:extLst>
-          </a:blip>
-          <a:stretch>
-            <a:fillRect/>
-          </a:stretch>
+        <p:blipFill rotWithShape="1">
+          <a:blip r:embed="rId2"/>
+          <a:srcRect t="-1" b="-6699"/>
+          <a:stretch/>
         </p:blipFill>
         <p:spPr>
           <a:xfrm>
-            <a:off x="1371599" y="829931"/>
-            <a:ext cx="10241281" cy="5722952"/>
+            <a:off x="3114268" y="165845"/>
+            <a:ext cx="4264331" cy="6989354"/>
           </a:xfrm>
           <a:prstGeom prst="rect">
             <a:avLst/>
           </a:prstGeom>
-          <a:solidFill>
-            <a:srgbClr val="FFFFFF">
-              <a:shade val="85000"/>
-            </a:srgbClr>
-          </a:solidFill>
-          <a:ln w="88900" cap="sq">
-            <a:solidFill>
-              <a:srgbClr val="FFFFFF"/>
-            </a:solidFill>
-            <a:miter lim="800000"/>
-          </a:ln>
-          <a:effectLst>
-            <a:outerShdw blurRad="55000" dist="18000" dir="5400000" algn="tl" rotWithShape="0">
-              <a:srgbClr val="000000">
-                <a:alpha val="40000"/>
-              </a:srgbClr>
-            </a:outerShdw>
-          </a:effectLst>
-          <a:scene3d>
-            <a:camera prst="orthographicFront"/>
-            <a:lightRig rig="twoPt" dir="t">
-              <a:rot lat="0" lon="0" rev="7200000"/>
-            </a:lightRig>
-          </a:scene3d>
-          <a:sp3d>
-            <a:bevelT w="25400" h="19050"/>
-            <a:contourClr>
-              <a:srgbClr val="FFFFFF"/>
-            </a:contourClr>
-          </a:sp3d>
         </p:spPr>
       </p:pic>
     </p:spTree>

--- a/Projeto 1/Entrega01.pptx
+++ b/Projeto 1/Entrega01.pptx
@@ -8090,13 +8090,13 @@
       </p:grpSpPr>
       <p:sp>
         <p:nvSpPr>
-          <p:cNvPr id="9" name="Retângulo: Cantos Arredondados 8"/>
+          <p:cNvPr id="10" name="Retângulo: Cantos Arredondados 9"/>
           <p:cNvSpPr/>
           <p:nvPr/>
         </p:nvSpPr>
         <p:spPr>
           <a:xfrm>
-            <a:off x="4174819" y="350002"/>
+            <a:off x="2725539" y="350002"/>
             <a:ext cx="1734400" cy="460865"/>
           </a:xfrm>
           <a:prstGeom prst="roundRect">
@@ -8126,179 +8126,7 @@
             <a:pPr algn="ctr"/>
             <a:r>
               <a:rPr lang="pt-BR" dirty="0"/>
-              <a:t>ELETRONICA</a:t>
-            </a:r>
-          </a:p>
-        </p:txBody>
-      </p:sp>
-      <p:sp>
-        <p:nvSpPr>
-          <p:cNvPr id="10" name="Retângulo: Cantos Arredondados 9"/>
-          <p:cNvSpPr/>
-          <p:nvPr/>
-        </p:nvSpPr>
-        <p:spPr>
-          <a:xfrm>
-            <a:off x="6079819" y="350002"/>
-            <a:ext cx="1734400" cy="460865"/>
-          </a:xfrm>
-          <a:prstGeom prst="roundRect">
-            <a:avLst/>
-          </a:prstGeom>
-        </p:spPr>
-        <p:style>
-          <a:lnRef idx="2">
-            <a:schemeClr val="accent1">
-              <a:shade val="50000"/>
-            </a:schemeClr>
-          </a:lnRef>
-          <a:fillRef idx="1">
-            <a:schemeClr val="accent1"/>
-          </a:fillRef>
-          <a:effectRef idx="0">
-            <a:schemeClr val="accent1"/>
-          </a:effectRef>
-          <a:fontRef idx="minor">
-            <a:schemeClr val="lt1"/>
-          </a:fontRef>
-        </p:style>
-        <p:txBody>
-          <a:bodyPr rtlCol="0" anchor="ctr"/>
-          <a:lstStyle/>
-          <a:p>
-            <a:pPr algn="ctr"/>
-            <a:r>
-              <a:rPr lang="pt-BR" dirty="0"/>
-              <a:t>MODELAGEM FISICA</a:t>
-            </a:r>
-          </a:p>
-        </p:txBody>
-      </p:sp>
-      <p:sp>
-        <p:nvSpPr>
-          <p:cNvPr id="11" name="Retângulo: Cantos Arredondados 10"/>
-          <p:cNvSpPr/>
-          <p:nvPr/>
-        </p:nvSpPr>
-        <p:spPr>
-          <a:xfrm>
-            <a:off x="2269819" y="350002"/>
-            <a:ext cx="1734400" cy="460865"/>
-          </a:xfrm>
-          <a:prstGeom prst="roundRect">
-            <a:avLst/>
-          </a:prstGeom>
-        </p:spPr>
-        <p:style>
-          <a:lnRef idx="2">
-            <a:schemeClr val="accent1">
-              <a:shade val="50000"/>
-            </a:schemeClr>
-          </a:lnRef>
-          <a:fillRef idx="1">
-            <a:schemeClr val="accent1"/>
-          </a:fillRef>
-          <a:effectRef idx="0">
-            <a:schemeClr val="accent1"/>
-          </a:effectRef>
-          <a:fontRef idx="minor">
-            <a:schemeClr val="lt1"/>
-          </a:fontRef>
-        </p:style>
-        <p:txBody>
-          <a:bodyPr rtlCol="0" anchor="ctr"/>
-          <a:lstStyle/>
-          <a:p>
-            <a:pPr algn="ctr"/>
-            <a:r>
-              <a:rPr lang="pt-BR" dirty="0"/>
-              <a:t>DESIGN</a:t>
-            </a:r>
-          </a:p>
-        </p:txBody>
-      </p:sp>
-      <p:sp>
-        <p:nvSpPr>
-          <p:cNvPr id="12" name="Retângulo: Cantos Arredondados 11"/>
-          <p:cNvSpPr/>
-          <p:nvPr/>
-        </p:nvSpPr>
-        <p:spPr>
-          <a:xfrm>
-            <a:off x="7984819" y="350002"/>
-            <a:ext cx="1734400" cy="460865"/>
-          </a:xfrm>
-          <a:prstGeom prst="roundRect">
-            <a:avLst/>
-          </a:prstGeom>
-        </p:spPr>
-        <p:style>
-          <a:lnRef idx="2">
-            <a:schemeClr val="accent1">
-              <a:shade val="50000"/>
-            </a:schemeClr>
-          </a:lnRef>
-          <a:fillRef idx="1">
-            <a:schemeClr val="accent1"/>
-          </a:fillRef>
-          <a:effectRef idx="0">
-            <a:schemeClr val="accent1"/>
-          </a:effectRef>
-          <a:fontRef idx="minor">
-            <a:schemeClr val="lt1"/>
-          </a:fontRef>
-        </p:style>
-        <p:txBody>
-          <a:bodyPr rtlCol="0" anchor="ctr"/>
-          <a:lstStyle/>
-          <a:p>
-            <a:pPr algn="ctr"/>
-            <a:r>
-              <a:rPr lang="pt-BR" dirty="0"/>
-              <a:t>PROGRAMÇÃO</a:t>
-            </a:r>
-          </a:p>
-        </p:txBody>
-      </p:sp>
-      <p:sp>
-        <p:nvSpPr>
-          <p:cNvPr id="13" name="Retângulo: Cantos Arredondados 12"/>
-          <p:cNvSpPr/>
-          <p:nvPr/>
-        </p:nvSpPr>
-        <p:spPr>
-          <a:xfrm>
-            <a:off x="9946474" y="342641"/>
-            <a:ext cx="1734400" cy="460865"/>
-          </a:xfrm>
-          <a:prstGeom prst="roundRect">
-            <a:avLst/>
-          </a:prstGeom>
-        </p:spPr>
-        <p:style>
-          <a:lnRef idx="2">
-            <a:schemeClr val="accent1">
-              <a:shade val="50000"/>
-            </a:schemeClr>
-          </a:lnRef>
-          <a:fillRef idx="1">
-            <a:schemeClr val="accent1"/>
-          </a:fillRef>
-          <a:effectRef idx="0">
-            <a:schemeClr val="accent1"/>
-          </a:effectRef>
-          <a:fontRef idx="minor">
-            <a:schemeClr val="lt1"/>
-          </a:fontRef>
-        </p:style>
-        <p:txBody>
-          <a:bodyPr rtlCol="0" anchor="ctr"/>
-          <a:lstStyle/>
-          <a:p>
-            <a:pPr algn="ctr"/>
-            <a:r>
-              <a:rPr lang="pt-BR" dirty="0"/>
-              <a:t>ARTIGOS</a:t>
+              <a:t>Pessoas </a:t>
             </a:r>
           </a:p>
         </p:txBody>

--- a/Projeto 1/Entrega01.pptx
+++ b/Projeto 1/Entrega01.pptx
@@ -3808,7 +3808,7 @@
           <a:p>
             <a:fld id="{DDD670B3-E2EA-4637-9A35-A3F69C814A4D}" type="datetimeFigureOut">
               <a:rPr lang="pt-BR" smtClean="0"/>
-              <a:t>13/09/2017</a:t>
+              <a:t>06/10/2017</a:t>
             </a:fld>
             <a:endParaRPr lang="pt-BR"/>
           </a:p>
@@ -4022,7 +4022,7 @@
           <a:p>
             <a:fld id="{DDD670B3-E2EA-4637-9A35-A3F69C814A4D}" type="datetimeFigureOut">
               <a:rPr lang="pt-BR" smtClean="0"/>
-              <a:t>13/09/2017</a:t>
+              <a:t>06/10/2017</a:t>
             </a:fld>
             <a:endParaRPr lang="pt-BR"/>
           </a:p>
@@ -4246,7 +4246,7 @@
           <a:p>
             <a:fld id="{DDD670B3-E2EA-4637-9A35-A3F69C814A4D}" type="datetimeFigureOut">
               <a:rPr lang="pt-BR" smtClean="0"/>
-              <a:t>13/09/2017</a:t>
+              <a:t>06/10/2017</a:t>
             </a:fld>
             <a:endParaRPr lang="pt-BR"/>
           </a:p>
@@ -4460,7 +4460,7 @@
           <a:p>
             <a:fld id="{DDD670B3-E2EA-4637-9A35-A3F69C814A4D}" type="datetimeFigureOut">
               <a:rPr lang="pt-BR" smtClean="0"/>
-              <a:t>13/09/2017</a:t>
+              <a:t>06/10/2017</a:t>
             </a:fld>
             <a:endParaRPr lang="pt-BR"/>
           </a:p>
@@ -4750,7 +4750,7 @@
           <a:p>
             <a:fld id="{DDD670B3-E2EA-4637-9A35-A3F69C814A4D}" type="datetimeFigureOut">
               <a:rPr lang="pt-BR" smtClean="0"/>
-              <a:t>13/09/2017</a:t>
+              <a:t>06/10/2017</a:t>
             </a:fld>
             <a:endParaRPr lang="pt-BR"/>
           </a:p>
@@ -5026,7 +5026,7 @@
           <a:p>
             <a:fld id="{DDD670B3-E2EA-4637-9A35-A3F69C814A4D}" type="datetimeFigureOut">
               <a:rPr lang="pt-BR" smtClean="0"/>
-              <a:t>13/09/2017</a:t>
+              <a:t>06/10/2017</a:t>
             </a:fld>
             <a:endParaRPr lang="pt-BR"/>
           </a:p>
@@ -5437,7 +5437,7 @@
           <a:p>
             <a:fld id="{DDD670B3-E2EA-4637-9A35-A3F69C814A4D}" type="datetimeFigureOut">
               <a:rPr lang="pt-BR" smtClean="0"/>
-              <a:t>13/09/2017</a:t>
+              <a:t>06/10/2017</a:t>
             </a:fld>
             <a:endParaRPr lang="pt-BR"/>
           </a:p>
@@ -5599,7 +5599,7 @@
           <a:p>
             <a:fld id="{DDD670B3-E2EA-4637-9A35-A3F69C814A4D}" type="datetimeFigureOut">
               <a:rPr lang="pt-BR" smtClean="0"/>
-              <a:t>13/09/2017</a:t>
+              <a:t>06/10/2017</a:t>
             </a:fld>
             <a:endParaRPr lang="pt-BR"/>
           </a:p>
@@ -5738,7 +5738,7 @@
           <a:p>
             <a:fld id="{DDD670B3-E2EA-4637-9A35-A3F69C814A4D}" type="datetimeFigureOut">
               <a:rPr lang="pt-BR" smtClean="0"/>
-              <a:t>13/09/2017</a:t>
+              <a:t>06/10/2017</a:t>
             </a:fld>
             <a:endParaRPr lang="pt-BR"/>
           </a:p>
@@ -6059,7 +6059,7 @@
           <a:p>
             <a:fld id="{DDD670B3-E2EA-4637-9A35-A3F69C814A4D}" type="datetimeFigureOut">
               <a:rPr lang="pt-BR" smtClean="0"/>
-              <a:t>13/09/2017</a:t>
+              <a:t>06/10/2017</a:t>
             </a:fld>
             <a:endParaRPr lang="pt-BR"/>
           </a:p>
@@ -6360,7 +6360,7 @@
           <a:p>
             <a:fld id="{DDD670B3-E2EA-4637-9A35-A3F69C814A4D}" type="datetimeFigureOut">
               <a:rPr lang="pt-BR" smtClean="0"/>
-              <a:t>13/09/2017</a:t>
+              <a:t>06/10/2017</a:t>
             </a:fld>
             <a:endParaRPr lang="pt-BR"/>
           </a:p>
@@ -6617,7 +6617,7 @@
           <a:p>
             <a:fld id="{DDD670B3-E2EA-4637-9A35-A3F69C814A4D}" type="datetimeFigureOut">
               <a:rPr lang="pt-BR" smtClean="0"/>
-              <a:t>13/09/2017</a:t>
+              <a:t>06/10/2017</a:t>
             </a:fld>
             <a:endParaRPr lang="pt-BR"/>
           </a:p>
@@ -7140,7 +7140,7 @@
         <p:spPr>
           <a:xfrm>
             <a:off x="513081" y="1220788"/>
-            <a:ext cx="2961639" cy="1477328"/>
+            <a:ext cx="2961639" cy="369332"/>
           </a:xfrm>
           <a:prstGeom prst="rect">
             <a:avLst/>
@@ -7155,25 +7155,17 @@
           <a:p>
             <a:r>
               <a:rPr lang="pt-BR" dirty="0"/>
-              <a:t>Página inicial do </a:t>
-            </a:r>
-            <a:r>
-              <a:rPr lang="pt-BR" dirty="0" err="1"/>
-              <a:t>portifólio</a:t>
-            </a:r>
-            <a:r>
-              <a:rPr lang="pt-BR" dirty="0"/>
-              <a:t> contem ícone de acesso para a  área de pessoas e barra iterativa para acessar os projetos </a:t>
+              <a:t>Página inicial de projetos</a:t>
             </a:r>
           </a:p>
         </p:txBody>
       </p:sp>
       <p:pic>
         <p:nvPicPr>
-          <p:cNvPr id="5" name="Imagem 4">
+          <p:cNvPr id="4" name="Imagem 3">
             <a:extLst>
               <a:ext uri="{FF2B5EF4-FFF2-40B4-BE49-F238E27FC236}">
-                <a16:creationId xmlns:a16="http://schemas.microsoft.com/office/drawing/2014/main" id="{3FCBC089-9126-4200-A287-FE70510C33C3}"/>
+                <a16:creationId xmlns:a16="http://schemas.microsoft.com/office/drawing/2014/main" id="{AB0FAA7C-3E03-4B4B-A126-D9F0DB4A3AC4}"/>
               </a:ext>
             </a:extLst>
           </p:cNvPr>
@@ -7183,15 +7175,21 @@
           <p:nvPr/>
         </p:nvPicPr>
         <p:blipFill>
-          <a:blip r:embed="rId2"/>
+          <a:blip r:embed="rId2">
+            <a:extLst>
+              <a:ext uri="{28A0092B-C50C-407E-A947-70E740481C1C}">
+                <a14:useLocalDpi xmlns:a14="http://schemas.microsoft.com/office/drawing/2010/main" val="0"/>
+              </a:ext>
+            </a:extLst>
+          </a:blip>
           <a:stretch>
             <a:fillRect/>
           </a:stretch>
         </p:blipFill>
         <p:spPr>
           <a:xfrm>
-            <a:off x="5184557" y="274320"/>
-            <a:ext cx="3974684" cy="6216634"/>
+            <a:off x="4079421" y="277586"/>
+            <a:ext cx="4163786" cy="6139543"/>
           </a:xfrm>
           <a:prstGeom prst="rect">
             <a:avLst/>
@@ -7790,7 +7788,7 @@
         <p:spPr>
           <a:xfrm>
             <a:off x="9782022" y="2422689"/>
-            <a:ext cx="1699825" cy="2585323"/>
+            <a:ext cx="1699825" cy="2308324"/>
           </a:xfrm>
           <a:prstGeom prst="rect">
             <a:avLst/>
@@ -7872,7 +7870,7 @@
                   <a:srgbClr val="FFFF00"/>
                 </a:solidFill>
               </a:rPr>
-              <a:t>3 Artigos de GDE</a:t>
+              <a:t>3 cases de GDE</a:t>
             </a:r>
           </a:p>
         </p:txBody>
@@ -8126,7 +8124,7 @@
             <a:pPr algn="ctr"/>
             <a:r>
               <a:rPr lang="pt-BR" dirty="0"/>
-              <a:t>Pessoas </a:t>
+              <a:t>Alunos</a:t>
             </a:r>
           </a:p>
         </p:txBody>
@@ -8322,6 +8320,55 @@
             <a:r>
               <a:rPr lang="pt-BR" dirty="0"/>
               <a:t>Home</a:t>
+            </a:r>
+          </a:p>
+        </p:txBody>
+      </p:sp>
+      <p:sp>
+        <p:nvSpPr>
+          <p:cNvPr id="7" name="Retângulo: Cantos Arredondados 6">
+            <a:extLst>
+              <a:ext uri="{FF2B5EF4-FFF2-40B4-BE49-F238E27FC236}">
+                <a16:creationId xmlns:a16="http://schemas.microsoft.com/office/drawing/2014/main" id="{5FFE845B-4A2D-4714-93BF-D7F84904B20E}"/>
+              </a:ext>
+            </a:extLst>
+          </p:cNvPr>
+          <p:cNvSpPr/>
+          <p:nvPr/>
+        </p:nvSpPr>
+        <p:spPr>
+          <a:xfrm>
+            <a:off x="5086259" y="350002"/>
+            <a:ext cx="1734400" cy="460865"/>
+          </a:xfrm>
+          <a:prstGeom prst="roundRect">
+            <a:avLst/>
+          </a:prstGeom>
+        </p:spPr>
+        <p:style>
+          <a:lnRef idx="2">
+            <a:schemeClr val="accent1">
+              <a:shade val="50000"/>
+            </a:schemeClr>
+          </a:lnRef>
+          <a:fillRef idx="1">
+            <a:schemeClr val="accent1"/>
+          </a:fillRef>
+          <a:effectRef idx="0">
+            <a:schemeClr val="accent1"/>
+          </a:effectRef>
+          <a:fontRef idx="minor">
+            <a:schemeClr val="lt1"/>
+          </a:fontRef>
+        </p:style>
+        <p:txBody>
+          <a:bodyPr rtlCol="0" anchor="ctr"/>
+          <a:lstStyle/>
+          <a:p>
+            <a:pPr algn="ctr"/>
+            <a:r>
+              <a:rPr lang="pt-BR" dirty="0"/>
+              <a:t>contato </a:t>
             </a:r>
           </a:p>
         </p:txBody>
@@ -9025,10 +9072,10 @@
       </p:sp>
       <p:pic>
         <p:nvPicPr>
-          <p:cNvPr id="7" name="Imagem 6">
+          <p:cNvPr id="6" name="Imagem 5">
             <a:extLst>
               <a:ext uri="{FF2B5EF4-FFF2-40B4-BE49-F238E27FC236}">
-                <a16:creationId xmlns:a16="http://schemas.microsoft.com/office/drawing/2014/main" id="{926056A5-8178-42BF-8EE9-1EA7541F5080}"/>
+                <a16:creationId xmlns:a16="http://schemas.microsoft.com/office/drawing/2014/main" id="{AD7AA704-66E5-4F62-91CC-6A321AD2DDD0}"/>
               </a:ext>
             </a:extLst>
           </p:cNvPr>
@@ -9037,21 +9084,71 @@
           </p:cNvPicPr>
           <p:nvPr/>
         </p:nvPicPr>
-        <p:blipFill rotWithShape="1">
-          <a:blip r:embed="rId2"/>
-          <a:srcRect t="-1" b="-6699"/>
-          <a:stretch/>
+        <p:blipFill>
+          <a:blip r:embed="rId2">
+            <a:extLst>
+              <a:ext uri="{28A0092B-C50C-407E-A947-70E740481C1C}">
+                <a14:useLocalDpi xmlns:a14="http://schemas.microsoft.com/office/drawing/2010/main" val="0"/>
+              </a:ext>
+            </a:extLst>
+          </a:blip>
+          <a:stretch>
+            <a:fillRect/>
+          </a:stretch>
         </p:blipFill>
         <p:spPr>
           <a:xfrm>
-            <a:off x="3114268" y="165845"/>
-            <a:ext cx="4264331" cy="6989354"/>
+            <a:off x="3877235" y="0"/>
+            <a:ext cx="4437529" cy="6858000"/>
           </a:xfrm>
           <a:prstGeom prst="rect">
             <a:avLst/>
           </a:prstGeom>
         </p:spPr>
       </p:pic>
+      <p:sp>
+        <p:nvSpPr>
+          <p:cNvPr id="8" name="CaixaDeTexto 7">
+            <a:extLst>
+              <a:ext uri="{FF2B5EF4-FFF2-40B4-BE49-F238E27FC236}">
+                <a16:creationId xmlns:a16="http://schemas.microsoft.com/office/drawing/2014/main" id="{24181B14-F1BF-4979-8AA5-464C46F816A6}"/>
+              </a:ext>
+            </a:extLst>
+          </p:cNvPr>
+          <p:cNvSpPr txBox="1"/>
+          <p:nvPr/>
+        </p:nvSpPr>
+        <p:spPr>
+          <a:xfrm>
+            <a:off x="513081" y="1220788"/>
+            <a:ext cx="2961639" cy="1477328"/>
+          </a:xfrm>
+          <a:prstGeom prst="rect">
+            <a:avLst/>
+          </a:prstGeom>
+          <a:noFill/>
+        </p:spPr>
+        <p:txBody>
+          <a:bodyPr wrap="square" rtlCol="0">
+            <a:spAutoFit/>
+          </a:bodyPr>
+          <a:lstStyle/>
+          <a:p>
+            <a:r>
+              <a:rPr lang="pt-BR" dirty="0"/>
+              <a:t>Página inicial do </a:t>
+            </a:r>
+            <a:r>
+              <a:rPr lang="pt-BR" dirty="0" err="1"/>
+              <a:t>portifólio</a:t>
+            </a:r>
+            <a:r>
+              <a:rPr lang="pt-BR" dirty="0"/>
+              <a:t> contem ícone de acesso para a  área de pessoas e barra iterativa para acessar os projetos </a:t>
+            </a:r>
+          </a:p>
+        </p:txBody>
+      </p:sp>
     </p:spTree>
     <p:extLst>
       <p:ext uri="{BB962C8B-B14F-4D97-AF65-F5344CB8AC3E}">
